--- a/images/cit.pptx
+++ b/images/cit.pptx
@@ -5,12 +5,13 @@
     <p:sldMasterId id="2147483648" r:id="rId1"/>
   </p:sldMasterIdLst>
   <p:notesMasterIdLst>
-    <p:notesMasterId r:id="rId5"/>
+    <p:notesMasterId r:id="rId6"/>
   </p:notesMasterIdLst>
   <p:sldIdLst>
     <p:sldId id="257" r:id="rId2"/>
     <p:sldId id="258" r:id="rId3"/>
     <p:sldId id="259" r:id="rId4"/>
+    <p:sldId id="260" r:id="rId5"/>
   </p:sldIdLst>
   <p:sldSz cx="9144000" cy="6858000" type="screen4x3"/>
   <p:notesSz cx="6858000" cy="9144000"/>
@@ -194,7 +195,7 @@
           <a:p>
             <a:fld id="{74C9CE0B-584E-494B-990E-131BCF8298F5}" type="datetimeFigureOut">
               <a:rPr lang="en-US" smtClean="0"/>
-              <a:t>14/11/14</a:t>
+              <a:t>20/03/17</a:t>
             </a:fld>
             <a:endParaRPr lang="en-US"/>
           </a:p>
@@ -831,6 +832,132 @@
 </p:notes>
 </file>
 
+<file path=ppt/notesSlides/notesSlide4.xml><?xml version="1.0" encoding="utf-8"?>
+<p:notes xmlns:a="http://schemas.openxmlformats.org/drawingml/2006/main" xmlns:r="http://schemas.openxmlformats.org/officeDocument/2006/relationships" xmlns:p="http://schemas.openxmlformats.org/presentationml/2006/main">
+  <p:cSld>
+    <p:spTree>
+      <p:nvGrpSpPr>
+        <p:cNvPr id="1" name=""/>
+        <p:cNvGrpSpPr/>
+        <p:nvPr/>
+      </p:nvGrpSpPr>
+      <p:grpSpPr>
+        <a:xfrm>
+          <a:off x="0" y="0"/>
+          <a:ext cx="0" cy="0"/>
+          <a:chOff x="0" y="0"/>
+          <a:chExt cx="0" cy="0"/>
+        </a:xfrm>
+      </p:grpSpPr>
+      <p:sp>
+        <p:nvSpPr>
+          <p:cNvPr id="2" name="Slide Image Placeholder 1"/>
+          <p:cNvSpPr>
+            <a:spLocks noGrp="1" noRot="1" noChangeAspect="1"/>
+          </p:cNvSpPr>
+          <p:nvPr>
+            <p:ph type="sldImg"/>
+          </p:nvPr>
+        </p:nvSpPr>
+        <p:spPr/>
+      </p:sp>
+      <p:sp>
+        <p:nvSpPr>
+          <p:cNvPr id="3" name="Notes Placeholder 2"/>
+          <p:cNvSpPr>
+            <a:spLocks noGrp="1"/>
+          </p:cNvSpPr>
+          <p:nvPr>
+            <p:ph type="body" idx="1"/>
+          </p:nvPr>
+        </p:nvSpPr>
+        <p:spPr/>
+        <p:txBody>
+          <a:bodyPr/>
+          <a:lstStyle/>
+          <a:p>
+            <a:r>
+              <a:rPr lang="en-US" dirty="0" smtClean="0"/>
+              <a:t>Left</a:t>
+            </a:r>
+            <a:r>
+              <a:rPr lang="en-US" baseline="0" dirty="0" smtClean="0"/>
+              <a:t> – possible models, </a:t>
+            </a:r>
+            <a:r>
+              <a:rPr lang="en-US" baseline="0" dirty="0" err="1" smtClean="0"/>
+              <a:t>Steiger</a:t>
+            </a:r>
+            <a:r>
+              <a:rPr lang="en-US" baseline="0" dirty="0" smtClean="0"/>
+              <a:t> test just tests if the </a:t>
+            </a:r>
+            <a:r>
+              <a:rPr lang="en-US" baseline="0" dirty="0" err="1" smtClean="0"/>
+              <a:t>Rsq_gx</a:t>
+            </a:r>
+            <a:r>
+              <a:rPr lang="en-US" baseline="0" dirty="0" smtClean="0"/>
+              <a:t> is larger than </a:t>
+            </a:r>
+            <a:r>
+              <a:rPr lang="en-US" baseline="0" dirty="0" err="1" smtClean="0"/>
+              <a:t>Rsq_gy</a:t>
+            </a:r>
+            <a:r>
+              <a:rPr lang="en-US" baseline="0" dirty="0" smtClean="0"/>
+              <a:t>, and if it is then that is evidence of the SNP influencing x first.</a:t>
+            </a:r>
+          </a:p>
+          <a:p>
+            <a:r>
+              <a:rPr lang="en-US" baseline="0" dirty="0" smtClean="0"/>
+              <a:t>Right – important to evaluate how sensitive this is to measurement error. The proportion of the blue surface above the red plane represents measurement error values in X and Y that would lead to the empirical result being wrong. The blue surface below shows the measurement error values which would not give the </a:t>
+            </a:r>
+            <a:r>
+              <a:rPr lang="en-US" baseline="0" smtClean="0"/>
+              <a:t>wrong direction.</a:t>
+            </a:r>
+            <a:endParaRPr lang="en-US" dirty="0"/>
+          </a:p>
+        </p:txBody>
+      </p:sp>
+      <p:sp>
+        <p:nvSpPr>
+          <p:cNvPr id="4" name="Slide Number Placeholder 3"/>
+          <p:cNvSpPr>
+            <a:spLocks noGrp="1"/>
+          </p:cNvSpPr>
+          <p:nvPr>
+            <p:ph type="sldNum" sz="quarter" idx="10"/>
+          </p:nvPr>
+        </p:nvSpPr>
+        <p:spPr/>
+        <p:txBody>
+          <a:bodyPr/>
+          <a:lstStyle/>
+          <a:p>
+            <a:fld id="{6B48DC07-5BE8-0548-A75A-8B417DD20975}" type="slidenum">
+              <a:rPr lang="en-US" smtClean="0"/>
+              <a:t>4</a:t>
+            </a:fld>
+            <a:endParaRPr lang="en-US"/>
+          </a:p>
+        </p:txBody>
+      </p:sp>
+    </p:spTree>
+    <p:extLst>
+      <p:ext uri="{BB962C8B-B14F-4D97-AF65-F5344CB8AC3E}">
+        <p14:creationId xmlns:p14="http://schemas.microsoft.com/office/powerpoint/2010/main" val="1293924534"/>
+      </p:ext>
+    </p:extLst>
+  </p:cSld>
+  <p:clrMapOvr>
+    <a:masterClrMapping/>
+  </p:clrMapOvr>
+</p:notes>
+</file>
+
 <file path=ppt/slideLayouts/slideLayout1.xml><?xml version="1.0" encoding="utf-8"?>
 <p:sldLayout xmlns:a="http://schemas.openxmlformats.org/drawingml/2006/main" xmlns:r="http://schemas.openxmlformats.org/officeDocument/2006/relationships" xmlns:p="http://schemas.openxmlformats.org/presentationml/2006/main" type="title" preserve="1">
   <p:cSld name="Title Slide">
@@ -1012,7 +1139,7 @@
           <a:p>
             <a:fld id="{ACF1CE82-1334-0F47-9457-737174835E7B}" type="datetimeFigureOut">
               <a:rPr lang="en-US" smtClean="0"/>
-              <a:t>14/11/14</a:t>
+              <a:t>20/03/17</a:t>
             </a:fld>
             <a:endParaRPr lang="en-US"/>
           </a:p>
@@ -1182,7 +1309,7 @@
           <a:p>
             <a:fld id="{ACF1CE82-1334-0F47-9457-737174835E7B}" type="datetimeFigureOut">
               <a:rPr lang="en-US" smtClean="0"/>
-              <a:t>14/11/14</a:t>
+              <a:t>20/03/17</a:t>
             </a:fld>
             <a:endParaRPr lang="en-US"/>
           </a:p>
@@ -1362,7 +1489,7 @@
           <a:p>
             <a:fld id="{ACF1CE82-1334-0F47-9457-737174835E7B}" type="datetimeFigureOut">
               <a:rPr lang="en-US" smtClean="0"/>
-              <a:t>14/11/14</a:t>
+              <a:t>20/03/17</a:t>
             </a:fld>
             <a:endParaRPr lang="en-US"/>
           </a:p>
@@ -1532,7 +1659,7 @@
           <a:p>
             <a:fld id="{ACF1CE82-1334-0F47-9457-737174835E7B}" type="datetimeFigureOut">
               <a:rPr lang="en-US" smtClean="0"/>
-              <a:t>14/11/14</a:t>
+              <a:t>20/03/17</a:t>
             </a:fld>
             <a:endParaRPr lang="en-US"/>
           </a:p>
@@ -1778,7 +1905,7 @@
           <a:p>
             <a:fld id="{ACF1CE82-1334-0F47-9457-737174835E7B}" type="datetimeFigureOut">
               <a:rPr lang="en-US" smtClean="0"/>
-              <a:t>14/11/14</a:t>
+              <a:t>20/03/17</a:t>
             </a:fld>
             <a:endParaRPr lang="en-US"/>
           </a:p>
@@ -2066,7 +2193,7 @@
           <a:p>
             <a:fld id="{ACF1CE82-1334-0F47-9457-737174835E7B}" type="datetimeFigureOut">
               <a:rPr lang="en-US" smtClean="0"/>
-              <a:t>14/11/14</a:t>
+              <a:t>20/03/17</a:t>
             </a:fld>
             <a:endParaRPr lang="en-US"/>
           </a:p>
@@ -2488,7 +2615,7 @@
           <a:p>
             <a:fld id="{ACF1CE82-1334-0F47-9457-737174835E7B}" type="datetimeFigureOut">
               <a:rPr lang="en-US" smtClean="0"/>
-              <a:t>14/11/14</a:t>
+              <a:t>20/03/17</a:t>
             </a:fld>
             <a:endParaRPr lang="en-US"/>
           </a:p>
@@ -2606,7 +2733,7 @@
           <a:p>
             <a:fld id="{ACF1CE82-1334-0F47-9457-737174835E7B}" type="datetimeFigureOut">
               <a:rPr lang="en-US" smtClean="0"/>
-              <a:t>14/11/14</a:t>
+              <a:t>20/03/17</a:t>
             </a:fld>
             <a:endParaRPr lang="en-US"/>
           </a:p>
@@ -2701,7 +2828,7 @@
           <a:p>
             <a:fld id="{ACF1CE82-1334-0F47-9457-737174835E7B}" type="datetimeFigureOut">
               <a:rPr lang="en-US" smtClean="0"/>
-              <a:t>14/11/14</a:t>
+              <a:t>20/03/17</a:t>
             </a:fld>
             <a:endParaRPr lang="en-US"/>
           </a:p>
@@ -2978,7 +3105,7 @@
           <a:p>
             <a:fld id="{ACF1CE82-1334-0F47-9457-737174835E7B}" type="datetimeFigureOut">
               <a:rPr lang="en-US" smtClean="0"/>
-              <a:t>14/11/14</a:t>
+              <a:t>20/03/17</a:t>
             </a:fld>
             <a:endParaRPr lang="en-US"/>
           </a:p>
@@ -3231,7 +3358,7 @@
           <a:p>
             <a:fld id="{ACF1CE82-1334-0F47-9457-737174835E7B}" type="datetimeFigureOut">
               <a:rPr lang="en-US" smtClean="0"/>
-              <a:t>14/11/14</a:t>
+              <a:t>20/03/17</a:t>
             </a:fld>
             <a:endParaRPr lang="en-US"/>
           </a:p>
@@ -3444,7 +3571,7 @@
           <a:p>
             <a:fld id="{ACF1CE82-1334-0F47-9457-737174835E7B}" type="datetimeFigureOut">
               <a:rPr lang="en-US" smtClean="0"/>
-              <a:t>14/11/14</a:t>
+              <a:t>20/03/17</a:t>
             </a:fld>
             <a:endParaRPr lang="en-US"/>
           </a:p>
@@ -4117,6 +4244,372 @@
     <p:extLst>
       <p:ext uri="{BB962C8B-B14F-4D97-AF65-F5344CB8AC3E}">
         <p14:creationId xmlns:p14="http://schemas.microsoft.com/office/powerpoint/2010/main" val="3627615832"/>
+      </p:ext>
+    </p:extLst>
+  </p:cSld>
+  <p:clrMapOvr>
+    <a:masterClrMapping/>
+  </p:clrMapOvr>
+</p:sld>
+</file>
+
+<file path=ppt/slides/slide4.xml><?xml version="1.0" encoding="utf-8"?>
+<p:sld xmlns:a="http://schemas.openxmlformats.org/drawingml/2006/main" xmlns:r="http://schemas.openxmlformats.org/officeDocument/2006/relationships" xmlns:p="http://schemas.openxmlformats.org/presentationml/2006/main">
+  <p:cSld>
+    <p:spTree>
+      <p:nvGrpSpPr>
+        <p:cNvPr id="1" name=""/>
+        <p:cNvGrpSpPr/>
+        <p:nvPr/>
+      </p:nvGrpSpPr>
+      <p:grpSpPr>
+        <a:xfrm>
+          <a:off x="0" y="0"/>
+          <a:ext cx="0" cy="0"/>
+          <a:chOff x="0" y="0"/>
+          <a:chExt cx="0" cy="0"/>
+        </a:xfrm>
+      </p:grpSpPr>
+      <p:sp>
+        <p:nvSpPr>
+          <p:cNvPr id="6" name="Title 5"/>
+          <p:cNvSpPr>
+            <a:spLocks noGrp="1"/>
+          </p:cNvSpPr>
+          <p:nvPr>
+            <p:ph type="title"/>
+          </p:nvPr>
+        </p:nvSpPr>
+        <p:spPr/>
+        <p:txBody>
+          <a:bodyPr/>
+          <a:lstStyle/>
+          <a:p>
+            <a:r>
+              <a:rPr lang="en-US" dirty="0" smtClean="0"/>
+              <a:t>MR </a:t>
+            </a:r>
+            <a:r>
+              <a:rPr lang="en-US" dirty="0" err="1" smtClean="0"/>
+              <a:t>Steiger</a:t>
+            </a:r>
+            <a:r>
+              <a:rPr lang="en-US" dirty="0" smtClean="0"/>
+              <a:t> test</a:t>
+            </a:r>
+            <a:endParaRPr lang="en-US" dirty="0"/>
+          </a:p>
+        </p:txBody>
+      </p:sp>
+      <p:pic>
+        <p:nvPicPr>
+          <p:cNvPr id="5" name="Content Placeholder 4" descr="dag-01.png"/>
+          <p:cNvPicPr>
+            <a:picLocks noGrp="1" noChangeAspect="1"/>
+          </p:cNvPicPr>
+          <p:nvPr>
+            <p:ph sz="half" idx="1"/>
+          </p:nvPr>
+        </p:nvPicPr>
+        <p:blipFill rotWithShape="1">
+          <a:blip r:embed="rId3">
+            <a:extLst>
+              <a:ext uri="{28A0092B-C50C-407E-A947-70E740481C1C}">
+                <a14:useLocalDpi xmlns:a14="http://schemas.microsoft.com/office/drawing/2010/main" val="0"/>
+              </a:ext>
+            </a:extLst>
+          </a:blip>
+          <a:srcRect l="33525" t="-245" r="574" b="296"/>
+          <a:stretch/>
+        </p:blipFill>
+        <p:spPr>
+          <a:xfrm>
+            <a:off x="1877392" y="1921565"/>
+            <a:ext cx="2661478" cy="3313044"/>
+          </a:xfrm>
+        </p:spPr>
+      </p:pic>
+      <p:pic>
+        <p:nvPicPr>
+          <p:cNvPr id="11" name="Content Placeholder 10" descr="unnamed-chunk-1-1.pdf"/>
+          <p:cNvPicPr>
+            <a:picLocks noGrp="1" noChangeAspect="1"/>
+          </p:cNvPicPr>
+          <p:nvPr>
+            <p:ph sz="half" idx="2"/>
+          </p:nvPr>
+        </p:nvPicPr>
+        <p:blipFill>
+          <a:blip r:embed="rId4">
+            <a:extLst>
+              <a:ext uri="{28A0092B-C50C-407E-A947-70E740481C1C}">
+                <a14:useLocalDpi xmlns:a14="http://schemas.microsoft.com/office/drawing/2010/main" val="0"/>
+              </a:ext>
+            </a:extLst>
+          </a:blip>
+          <a:srcRect t="-6034" b="-6034"/>
+          <a:stretch>
+            <a:fillRect/>
+          </a:stretch>
+        </p:blipFill>
+        <p:spPr/>
+      </p:pic>
+      <p:sp>
+        <p:nvSpPr>
+          <p:cNvPr id="8" name="TextBox 7"/>
+          <p:cNvSpPr txBox="1"/>
+          <p:nvPr/>
+        </p:nvSpPr>
+        <p:spPr>
+          <a:xfrm>
+            <a:off x="357808" y="2341217"/>
+            <a:ext cx="1627594" cy="369332"/>
+          </a:xfrm>
+          <a:prstGeom prst="rect">
+            <a:avLst/>
+          </a:prstGeom>
+          <a:noFill/>
+        </p:spPr>
+        <p:txBody>
+          <a:bodyPr wrap="none" rtlCol="0">
+            <a:spAutoFit/>
+          </a:bodyPr>
+          <a:lstStyle/>
+          <a:p>
+            <a:r>
+              <a:rPr lang="en-US" dirty="0" smtClean="0"/>
+              <a:t>R</a:t>
+            </a:r>
+            <a:r>
+              <a:rPr lang="en-US" baseline="30000" dirty="0" smtClean="0"/>
+              <a:t>2</a:t>
+            </a:r>
+            <a:r>
+              <a:rPr lang="en-US" dirty="0" smtClean="0"/>
+              <a:t>(</a:t>
+            </a:r>
+            <a:r>
+              <a:rPr lang="en-US" dirty="0" err="1" smtClean="0"/>
+              <a:t>g,y</a:t>
+            </a:r>
+            <a:r>
+              <a:rPr lang="en-US" dirty="0" smtClean="0"/>
+              <a:t>) &gt; </a:t>
+            </a:r>
+            <a:r>
+              <a:rPr lang="en-US" dirty="0"/>
+              <a:t>R</a:t>
+            </a:r>
+            <a:r>
+              <a:rPr lang="en-US" baseline="30000" dirty="0"/>
+              <a:t>2</a:t>
+            </a:r>
+            <a:r>
+              <a:rPr lang="en-US" dirty="0"/>
+              <a:t>(</a:t>
+            </a:r>
+            <a:r>
+              <a:rPr lang="en-US" dirty="0" err="1"/>
+              <a:t>g</a:t>
+            </a:r>
+            <a:r>
+              <a:rPr lang="en-US" dirty="0" err="1" smtClean="0"/>
+              <a:t>,x</a:t>
+            </a:r>
+            <a:r>
+              <a:rPr lang="en-US" dirty="0" smtClean="0"/>
+              <a:t>)</a:t>
+            </a:r>
+            <a:endParaRPr lang="en-US" dirty="0"/>
+          </a:p>
+        </p:txBody>
+      </p:sp>
+      <p:sp>
+        <p:nvSpPr>
+          <p:cNvPr id="9" name="TextBox 8"/>
+          <p:cNvSpPr txBox="1"/>
+          <p:nvPr/>
+        </p:nvSpPr>
+        <p:spPr>
+          <a:xfrm>
+            <a:off x="357808" y="3487530"/>
+            <a:ext cx="1627594" cy="369332"/>
+          </a:xfrm>
+          <a:prstGeom prst="rect">
+            <a:avLst/>
+          </a:prstGeom>
+          <a:noFill/>
+        </p:spPr>
+        <p:txBody>
+          <a:bodyPr wrap="none" rtlCol="0">
+            <a:spAutoFit/>
+          </a:bodyPr>
+          <a:lstStyle/>
+          <a:p>
+            <a:r>
+              <a:rPr lang="en-US" dirty="0" smtClean="0"/>
+              <a:t>R</a:t>
+            </a:r>
+            <a:r>
+              <a:rPr lang="en-US" baseline="30000" dirty="0" smtClean="0"/>
+              <a:t>2</a:t>
+            </a:r>
+            <a:r>
+              <a:rPr lang="en-US" dirty="0" smtClean="0"/>
+              <a:t>(</a:t>
+            </a:r>
+            <a:r>
+              <a:rPr lang="en-US" dirty="0" err="1" smtClean="0"/>
+              <a:t>g,y</a:t>
+            </a:r>
+            <a:r>
+              <a:rPr lang="en-US" dirty="0" smtClean="0"/>
+              <a:t>) &lt; </a:t>
+            </a:r>
+            <a:r>
+              <a:rPr lang="en-US" dirty="0"/>
+              <a:t>R</a:t>
+            </a:r>
+            <a:r>
+              <a:rPr lang="en-US" baseline="30000" dirty="0"/>
+              <a:t>2</a:t>
+            </a:r>
+            <a:r>
+              <a:rPr lang="en-US" dirty="0"/>
+              <a:t>(</a:t>
+            </a:r>
+            <a:r>
+              <a:rPr lang="en-US" dirty="0" err="1"/>
+              <a:t>g</a:t>
+            </a:r>
+            <a:r>
+              <a:rPr lang="en-US" dirty="0" err="1" smtClean="0"/>
+              <a:t>,x</a:t>
+            </a:r>
+            <a:r>
+              <a:rPr lang="en-US" dirty="0" smtClean="0"/>
+              <a:t>)</a:t>
+            </a:r>
+            <a:endParaRPr lang="en-US" dirty="0"/>
+          </a:p>
+        </p:txBody>
+      </p:sp>
+      <p:sp>
+        <p:nvSpPr>
+          <p:cNvPr id="10" name="TextBox 9"/>
+          <p:cNvSpPr txBox="1"/>
+          <p:nvPr/>
+        </p:nvSpPr>
+        <p:spPr>
+          <a:xfrm>
+            <a:off x="269460" y="4452683"/>
+            <a:ext cx="2068407" cy="1200329"/>
+          </a:xfrm>
+          <a:prstGeom prst="rect">
+            <a:avLst/>
+          </a:prstGeom>
+          <a:noFill/>
+        </p:spPr>
+        <p:txBody>
+          <a:bodyPr wrap="none" rtlCol="0">
+            <a:spAutoFit/>
+          </a:bodyPr>
+          <a:lstStyle/>
+          <a:p>
+            <a:r>
+              <a:rPr lang="en-US" dirty="0" smtClean="0"/>
+              <a:t>Requires multiple</a:t>
+            </a:r>
+          </a:p>
+          <a:p>
+            <a:r>
+              <a:rPr lang="en-US" dirty="0"/>
+              <a:t>i</a:t>
+            </a:r>
+            <a:r>
+              <a:rPr lang="en-US" dirty="0" smtClean="0"/>
+              <a:t>nstruments to</a:t>
+            </a:r>
+          </a:p>
+          <a:p>
+            <a:r>
+              <a:rPr lang="en-US" dirty="0" smtClean="0"/>
+              <a:t>distinguish from the</a:t>
+            </a:r>
+          </a:p>
+          <a:p>
+            <a:r>
+              <a:rPr lang="en-US" dirty="0" smtClean="0"/>
+              <a:t>above</a:t>
+            </a:r>
+            <a:endParaRPr lang="en-US" dirty="0"/>
+          </a:p>
+        </p:txBody>
+      </p:sp>
+      <p:sp>
+        <p:nvSpPr>
+          <p:cNvPr id="14" name="TextBox 13"/>
+          <p:cNvSpPr txBox="1"/>
+          <p:nvPr/>
+        </p:nvSpPr>
+        <p:spPr>
+          <a:xfrm>
+            <a:off x="4648200" y="5896113"/>
+            <a:ext cx="4038600" cy="923330"/>
+          </a:xfrm>
+          <a:prstGeom prst="rect">
+            <a:avLst/>
+          </a:prstGeom>
+          <a:noFill/>
+        </p:spPr>
+        <p:txBody>
+          <a:bodyPr wrap="square" rtlCol="0">
+            <a:spAutoFit/>
+          </a:bodyPr>
+          <a:lstStyle/>
+          <a:p>
+            <a:r>
+              <a:rPr lang="en-US" dirty="0" smtClean="0"/>
+              <a:t>What proportion of possible measurement error values would support the empirical result?</a:t>
+            </a:r>
+            <a:endParaRPr lang="en-US" dirty="0"/>
+          </a:p>
+        </p:txBody>
+      </p:sp>
+      <p:sp>
+        <p:nvSpPr>
+          <p:cNvPr id="15" name="TextBox 14"/>
+          <p:cNvSpPr txBox="1"/>
+          <p:nvPr/>
+        </p:nvSpPr>
+        <p:spPr>
+          <a:xfrm>
+            <a:off x="357808" y="1218719"/>
+            <a:ext cx="3783496" cy="646331"/>
+          </a:xfrm>
+          <a:prstGeom prst="rect">
+            <a:avLst/>
+          </a:prstGeom>
+          <a:noFill/>
+        </p:spPr>
+        <p:txBody>
+          <a:bodyPr wrap="square" rtlCol="0">
+            <a:spAutoFit/>
+          </a:bodyPr>
+          <a:lstStyle/>
+          <a:p>
+            <a:r>
+              <a:rPr lang="en-US" dirty="0" smtClean="0"/>
+              <a:t>Under no measurement error we can try to specify the underlying model </a:t>
+            </a:r>
+            <a:endParaRPr lang="en-US" dirty="0"/>
+          </a:p>
+        </p:txBody>
+      </p:sp>
+    </p:spTree>
+    <p:extLst>
+      <p:ext uri="{BB962C8B-B14F-4D97-AF65-F5344CB8AC3E}">
+        <p14:creationId xmlns:p14="http://schemas.microsoft.com/office/powerpoint/2010/main" val="2558602183"/>
       </p:ext>
     </p:extLst>
   </p:cSld>
